--- a/week-01/day-5/presentation/Presentation_Week-01.pptx
+++ b/week-01/day-5/presentation/Presentation_Week-01.pptx
@@ -6,16 +6,19 @@
     <p:sldMasterId id="2147483660" r:id="rId2"/>
   </p:sldMasterIdLst>
   <p:notesMasterIdLst>
-    <p:notesMasterId r:id="rId7"/>
+    <p:notesMasterId r:id="rId10"/>
   </p:notesMasterIdLst>
   <p:handoutMasterIdLst>
-    <p:handoutMasterId r:id="rId8"/>
+    <p:handoutMasterId r:id="rId11"/>
   </p:handoutMasterIdLst>
   <p:sldIdLst>
     <p:sldId id="256" r:id="rId3"/>
     <p:sldId id="257" r:id="rId4"/>
     <p:sldId id="258" r:id="rId5"/>
     <p:sldId id="259" r:id="rId6"/>
+    <p:sldId id="260" r:id="rId7"/>
+    <p:sldId id="261" r:id="rId8"/>
+    <p:sldId id="262" r:id="rId9"/>
   </p:sldIdLst>
   <p:sldSz cx="12192000" cy="6858000"/>
   <p:notesSz cx="6858000" cy="9144000"/>
@@ -114,6 +117,11 @@
       </a:defRPr>
     </a:lvl9pPr>
   </p:defaultTextStyle>
+  <p:extLst>
+    <p:ext uri="{EFAFB233-063F-42B5-8137-9DF3F51BA10A}">
+      <p15:sldGuideLst xmlns:p15="http://schemas.microsoft.com/office/powerpoint/2012/main"/>
+    </p:ext>
+  </p:extLst>
 </p:presentation>
 </file>
 
@@ -934,6 +942,315 @@
     <p:extLst>
       <p:ext uri="{BB962C8B-B14F-4D97-AF65-F5344CB8AC3E}">
         <p14:creationId xmlns:p14="http://schemas.microsoft.com/office/powerpoint/2010/main" val="1274768482"/>
+      </p:ext>
+    </p:extLst>
+  </p:cSld>
+  <p:clrMapOvr>
+    <a:masterClrMapping/>
+  </p:clrMapOvr>
+</p:notes>
+</file>
+
+<file path=ppt/notesSlides/notesSlide4.xml><?xml version="1.0" encoding="utf-8"?>
+<p:notes xmlns:a="http://schemas.openxmlformats.org/drawingml/2006/main" xmlns:r="http://schemas.openxmlformats.org/officeDocument/2006/relationships" xmlns:p="http://schemas.openxmlformats.org/presentationml/2006/main">
+  <p:cSld>
+    <p:spTree>
+      <p:nvGrpSpPr>
+        <p:cNvPr id="1" name=""/>
+        <p:cNvGrpSpPr/>
+        <p:nvPr/>
+      </p:nvGrpSpPr>
+      <p:grpSpPr>
+        <a:xfrm>
+          <a:off x="0" y="0"/>
+          <a:ext cx="0" cy="0"/>
+          <a:chOff x="0" y="0"/>
+          <a:chExt cx="0" cy="0"/>
+        </a:xfrm>
+      </p:grpSpPr>
+      <p:sp>
+        <p:nvSpPr>
+          <p:cNvPr id="2" name="Diakép helye 1"/>
+          <p:cNvSpPr>
+            <a:spLocks noGrp="1" noRot="1" noChangeAspect="1"/>
+          </p:cNvSpPr>
+          <p:nvPr>
+            <p:ph type="sldImg"/>
+          </p:nvPr>
+        </p:nvSpPr>
+        <p:spPr/>
+      </p:sp>
+      <p:sp>
+        <p:nvSpPr>
+          <p:cNvPr id="3" name="Jegyzetek helye 2"/>
+          <p:cNvSpPr>
+            <a:spLocks noGrp="1"/>
+          </p:cNvSpPr>
+          <p:nvPr>
+            <p:ph type="body" idx="1"/>
+          </p:nvPr>
+        </p:nvSpPr>
+        <p:spPr/>
+        <p:txBody>
+          <a:bodyPr/>
+          <a:lstStyle/>
+          <a:p>
+            <a:endParaRPr lang="hu-HU"/>
+          </a:p>
+        </p:txBody>
+      </p:sp>
+      <p:sp>
+        <p:nvSpPr>
+          <p:cNvPr id="4" name="Dia számának helye 3"/>
+          <p:cNvSpPr>
+            <a:spLocks noGrp="1"/>
+          </p:cNvSpPr>
+          <p:nvPr>
+            <p:ph type="sldNum" sz="quarter" idx="10"/>
+          </p:nvPr>
+        </p:nvSpPr>
+        <p:spPr/>
+        <p:txBody>
+          <a:bodyPr/>
+          <a:lstStyle/>
+          <a:p>
+            <a:fld id="{F7176AB4-2F93-4455-9331-B14DFA2CB5C6}" type="slidenum">
+              <a:rPr lang="hu-HU" smtClean="0"/>
+              <a:t>5</a:t>
+            </a:fld>
+            <a:endParaRPr lang="hu-HU"/>
+          </a:p>
+        </p:txBody>
+      </p:sp>
+      <p:sp>
+        <p:nvSpPr>
+          <p:cNvPr id="5" name="Élőláb helye 4"/>
+          <p:cNvSpPr>
+            <a:spLocks noGrp="1"/>
+          </p:cNvSpPr>
+          <p:nvPr>
+            <p:ph type="ftr" sz="quarter" idx="11"/>
+          </p:nvPr>
+        </p:nvSpPr>
+        <p:spPr/>
+        <p:txBody>
+          <a:bodyPr/>
+          <a:lstStyle/>
+          <a:p>
+            <a:endParaRPr lang="hu-HU"/>
+          </a:p>
+        </p:txBody>
+      </p:sp>
+    </p:spTree>
+    <p:extLst>
+      <p:ext uri="{BB962C8B-B14F-4D97-AF65-F5344CB8AC3E}">
+        <p14:creationId xmlns:p14="http://schemas.microsoft.com/office/powerpoint/2010/main" val="1242181719"/>
+      </p:ext>
+    </p:extLst>
+  </p:cSld>
+  <p:clrMapOvr>
+    <a:masterClrMapping/>
+  </p:clrMapOvr>
+</p:notes>
+</file>
+
+<file path=ppt/notesSlides/notesSlide5.xml><?xml version="1.0" encoding="utf-8"?>
+<p:notes xmlns:a="http://schemas.openxmlformats.org/drawingml/2006/main" xmlns:r="http://schemas.openxmlformats.org/officeDocument/2006/relationships" xmlns:p="http://schemas.openxmlformats.org/presentationml/2006/main">
+  <p:cSld>
+    <p:spTree>
+      <p:nvGrpSpPr>
+        <p:cNvPr id="1" name=""/>
+        <p:cNvGrpSpPr/>
+        <p:nvPr/>
+      </p:nvGrpSpPr>
+      <p:grpSpPr>
+        <a:xfrm>
+          <a:off x="0" y="0"/>
+          <a:ext cx="0" cy="0"/>
+          <a:chOff x="0" y="0"/>
+          <a:chExt cx="0" cy="0"/>
+        </a:xfrm>
+      </p:grpSpPr>
+      <p:sp>
+        <p:nvSpPr>
+          <p:cNvPr id="2" name="Diakép helye 1"/>
+          <p:cNvSpPr>
+            <a:spLocks noGrp="1" noRot="1" noChangeAspect="1"/>
+          </p:cNvSpPr>
+          <p:nvPr>
+            <p:ph type="sldImg"/>
+          </p:nvPr>
+        </p:nvSpPr>
+        <p:spPr/>
+      </p:sp>
+      <p:sp>
+        <p:nvSpPr>
+          <p:cNvPr id="3" name="Jegyzetek helye 2"/>
+          <p:cNvSpPr>
+            <a:spLocks noGrp="1"/>
+          </p:cNvSpPr>
+          <p:nvPr>
+            <p:ph type="body" idx="1"/>
+          </p:nvPr>
+        </p:nvSpPr>
+        <p:spPr/>
+        <p:txBody>
+          <a:bodyPr/>
+          <a:lstStyle/>
+          <a:p>
+            <a:endParaRPr lang="hu-HU"/>
+          </a:p>
+        </p:txBody>
+      </p:sp>
+      <p:sp>
+        <p:nvSpPr>
+          <p:cNvPr id="4" name="Dia számának helye 3"/>
+          <p:cNvSpPr>
+            <a:spLocks noGrp="1"/>
+          </p:cNvSpPr>
+          <p:nvPr>
+            <p:ph type="sldNum" sz="quarter" idx="10"/>
+          </p:nvPr>
+        </p:nvSpPr>
+        <p:spPr/>
+        <p:txBody>
+          <a:bodyPr/>
+          <a:lstStyle/>
+          <a:p>
+            <a:fld id="{F7176AB4-2F93-4455-9331-B14DFA2CB5C6}" type="slidenum">
+              <a:rPr lang="hu-HU" smtClean="0"/>
+              <a:t>6</a:t>
+            </a:fld>
+            <a:endParaRPr lang="hu-HU"/>
+          </a:p>
+        </p:txBody>
+      </p:sp>
+      <p:sp>
+        <p:nvSpPr>
+          <p:cNvPr id="5" name="Élőláb helye 4"/>
+          <p:cNvSpPr>
+            <a:spLocks noGrp="1"/>
+          </p:cNvSpPr>
+          <p:nvPr>
+            <p:ph type="ftr" sz="quarter" idx="11"/>
+          </p:nvPr>
+        </p:nvSpPr>
+        <p:spPr/>
+        <p:txBody>
+          <a:bodyPr/>
+          <a:lstStyle/>
+          <a:p>
+            <a:endParaRPr lang="hu-HU"/>
+          </a:p>
+        </p:txBody>
+      </p:sp>
+    </p:spTree>
+    <p:extLst>
+      <p:ext uri="{BB962C8B-B14F-4D97-AF65-F5344CB8AC3E}">
+        <p14:creationId xmlns:p14="http://schemas.microsoft.com/office/powerpoint/2010/main" val="65390027"/>
+      </p:ext>
+    </p:extLst>
+  </p:cSld>
+  <p:clrMapOvr>
+    <a:masterClrMapping/>
+  </p:clrMapOvr>
+</p:notes>
+</file>
+
+<file path=ppt/notesSlides/notesSlide6.xml><?xml version="1.0" encoding="utf-8"?>
+<p:notes xmlns:a="http://schemas.openxmlformats.org/drawingml/2006/main" xmlns:r="http://schemas.openxmlformats.org/officeDocument/2006/relationships" xmlns:p="http://schemas.openxmlformats.org/presentationml/2006/main">
+  <p:cSld>
+    <p:spTree>
+      <p:nvGrpSpPr>
+        <p:cNvPr id="1" name=""/>
+        <p:cNvGrpSpPr/>
+        <p:nvPr/>
+      </p:nvGrpSpPr>
+      <p:grpSpPr>
+        <a:xfrm>
+          <a:off x="0" y="0"/>
+          <a:ext cx="0" cy="0"/>
+          <a:chOff x="0" y="0"/>
+          <a:chExt cx="0" cy="0"/>
+        </a:xfrm>
+      </p:grpSpPr>
+      <p:sp>
+        <p:nvSpPr>
+          <p:cNvPr id="2" name="Diakép helye 1"/>
+          <p:cNvSpPr>
+            <a:spLocks noGrp="1" noRot="1" noChangeAspect="1"/>
+          </p:cNvSpPr>
+          <p:nvPr>
+            <p:ph type="sldImg"/>
+          </p:nvPr>
+        </p:nvSpPr>
+        <p:spPr/>
+      </p:sp>
+      <p:sp>
+        <p:nvSpPr>
+          <p:cNvPr id="3" name="Jegyzetek helye 2"/>
+          <p:cNvSpPr>
+            <a:spLocks noGrp="1"/>
+          </p:cNvSpPr>
+          <p:nvPr>
+            <p:ph type="body" idx="1"/>
+          </p:nvPr>
+        </p:nvSpPr>
+        <p:spPr/>
+        <p:txBody>
+          <a:bodyPr/>
+          <a:lstStyle/>
+          <a:p>
+            <a:endParaRPr lang="hu-HU"/>
+          </a:p>
+        </p:txBody>
+      </p:sp>
+      <p:sp>
+        <p:nvSpPr>
+          <p:cNvPr id="4" name="Dia számának helye 3"/>
+          <p:cNvSpPr>
+            <a:spLocks noGrp="1"/>
+          </p:cNvSpPr>
+          <p:nvPr>
+            <p:ph type="sldNum" sz="quarter" idx="10"/>
+          </p:nvPr>
+        </p:nvSpPr>
+        <p:spPr/>
+        <p:txBody>
+          <a:bodyPr/>
+          <a:lstStyle/>
+          <a:p>
+            <a:fld id="{F7176AB4-2F93-4455-9331-B14DFA2CB5C6}" type="slidenum">
+              <a:rPr lang="hu-HU" smtClean="0"/>
+              <a:t>7</a:t>
+            </a:fld>
+            <a:endParaRPr lang="hu-HU"/>
+          </a:p>
+        </p:txBody>
+      </p:sp>
+      <p:sp>
+        <p:nvSpPr>
+          <p:cNvPr id="5" name="Élőláb helye 4"/>
+          <p:cNvSpPr>
+            <a:spLocks noGrp="1"/>
+          </p:cNvSpPr>
+          <p:nvPr>
+            <p:ph type="ftr" sz="quarter" idx="11"/>
+          </p:nvPr>
+        </p:nvSpPr>
+        <p:spPr/>
+        <p:txBody>
+          <a:bodyPr/>
+          <a:lstStyle/>
+          <a:p>
+            <a:endParaRPr lang="hu-HU"/>
+          </a:p>
+        </p:txBody>
+      </p:sp>
+    </p:spTree>
+    <p:extLst>
+      <p:ext uri="{BB962C8B-B14F-4D97-AF65-F5344CB8AC3E}">
+        <p14:creationId xmlns:p14="http://schemas.microsoft.com/office/powerpoint/2010/main" val="3741611495"/>
       </p:ext>
     </p:extLst>
   </p:cSld>
@@ -6696,12 +7013,8 @@
               <a:t> - </a:t>
             </a:r>
             <a:r>
-              <a:rPr lang="en-GB" sz="4000" dirty="0" err="1" smtClean="0"/>
-              <a:t>Prezent</a:t>
-            </a:r>
-            <a:r>
               <a:rPr lang="hu-HU" sz="4000" dirty="0" err="1" smtClean="0"/>
-              <a:t>áció</a:t>
+              <a:t>Presentation</a:t>
             </a:r>
             <a:endParaRPr lang="hu-HU" sz="4000" dirty="0"/>
           </a:p>
@@ -6731,14 +7044,12 @@
           <a:p>
             <a:r>
               <a:rPr lang="hu-HU" sz="2400" dirty="0" smtClean="0"/>
-              <a:t>2016-05-06</a:t>
-            </a:r>
-          </a:p>
-          <a:p>
-            <a:r>
-              <a:rPr lang="hu-HU" sz="2400" dirty="0" smtClean="0"/>
-              <a:t>Első hét</a:t>
-            </a:r>
+              <a:t>06-05-2016</a:t>
+            </a:r>
+            <a:endParaRPr lang="en-GB" sz="2400" dirty="0"/>
+          </a:p>
+          <a:p>
+            <a:endParaRPr lang="hu-HU" sz="2400" dirty="0" smtClean="0"/>
           </a:p>
           <a:p>
             <a:endParaRPr lang="hu-HU" sz="2400" dirty="0"/>
@@ -6768,18 +7079,59 @@
           <a:lstStyle/>
           <a:p>
             <a:r>
+              <a:rPr lang="hu-HU" sz="2400" dirty="0" err="1" smtClean="0"/>
+              <a:t>Created</a:t>
+            </a:r>
+            <a:r>
               <a:rPr lang="hu-HU" sz="2400" dirty="0" smtClean="0"/>
-              <a:t>Szerkesztette: </a:t>
+              <a:t> </a:t>
+            </a:r>
+            <a:r>
+              <a:rPr lang="hu-HU" sz="2400" dirty="0" err="1" smtClean="0"/>
+              <a:t>by</a:t>
+            </a:r>
+            <a:r>
+              <a:rPr lang="hu-HU" sz="2400" dirty="0" smtClean="0"/>
+              <a:t> Attila </a:t>
             </a:r>
             <a:r>
               <a:rPr lang="hu-HU" sz="2400" dirty="0" err="1" smtClean="0"/>
               <a:t>Krüpl</a:t>
             </a:r>
-            <a:r>
-              <a:rPr lang="hu-HU" sz="2400" dirty="0" smtClean="0"/>
-              <a:t> Attila</a:t>
-            </a:r>
             <a:endParaRPr lang="hu-HU" sz="2400" dirty="0"/>
+          </a:p>
+        </p:txBody>
+      </p:sp>
+      <p:sp>
+        <p:nvSpPr>
+          <p:cNvPr id="2" name="Szövegdoboz 1"/>
+          <p:cNvSpPr txBox="1"/>
+          <p:nvPr/>
+        </p:nvSpPr>
+        <p:spPr>
+          <a:xfrm>
+            <a:off x="5544065" y="1060311"/>
+            <a:ext cx="1779373" cy="738664"/>
+          </a:xfrm>
+          <a:prstGeom prst="rect">
+            <a:avLst/>
+          </a:prstGeom>
+          <a:noFill/>
+        </p:spPr>
+        <p:txBody>
+          <a:bodyPr wrap="square" rtlCol="0">
+            <a:spAutoFit/>
+          </a:bodyPr>
+          <a:lstStyle/>
+          <a:p>
+            <a:r>
+              <a:rPr lang="en-GB" sz="2400" dirty="0" smtClean="0"/>
+              <a:t>Week-01</a:t>
+            </a:r>
+            <a:endParaRPr lang="en-GB" dirty="0" smtClean="0"/>
+          </a:p>
+          <a:p>
+            <a:endParaRPr lang="hu-HU" dirty="0"/>
           </a:p>
         </p:txBody>
       </p:sp>
@@ -6860,7 +7212,39 @@
             <a:pPr algn="ctr"/>
             <a:r>
               <a:rPr lang="hu-HU" sz="4000" dirty="0" smtClean="0"/>
-              <a:t>Miről lesz szó?</a:t>
+              <a:t>I am </a:t>
+            </a:r>
+            <a:r>
+              <a:rPr lang="hu-HU" sz="4000" dirty="0" err="1" smtClean="0"/>
+              <a:t>going</a:t>
+            </a:r>
+            <a:r>
+              <a:rPr lang="hu-HU" sz="4000" dirty="0" smtClean="0"/>
+              <a:t> </a:t>
+            </a:r>
+            <a:r>
+              <a:rPr lang="hu-HU" sz="4000" dirty="0" err="1" smtClean="0"/>
+              <a:t>to</a:t>
+            </a:r>
+            <a:r>
+              <a:rPr lang="hu-HU" sz="4000" dirty="0" smtClean="0"/>
+              <a:t> </a:t>
+            </a:r>
+            <a:r>
+              <a:rPr lang="hu-HU" sz="4000" dirty="0" err="1" smtClean="0"/>
+              <a:t>talk</a:t>
+            </a:r>
+            <a:r>
+              <a:rPr lang="hu-HU" sz="4000" dirty="0" smtClean="0"/>
+              <a:t> </a:t>
+            </a:r>
+            <a:r>
+              <a:rPr lang="hu-HU" sz="4000" dirty="0" err="1" smtClean="0"/>
+              <a:t>about</a:t>
+            </a:r>
+            <a:r>
+              <a:rPr lang="hu-HU" sz="4000" dirty="0" smtClean="0"/>
+              <a:t>… </a:t>
             </a:r>
             <a:endParaRPr lang="hu-HU" sz="4000" dirty="0"/>
           </a:p>
@@ -6904,7 +7288,7 @@
         <p:spPr>
           <a:xfrm>
             <a:off x="1533525" y="1333500"/>
-            <a:ext cx="5886450" cy="2246769"/>
+            <a:ext cx="5886450" cy="2677656"/>
           </a:xfrm>
           <a:prstGeom prst="rect">
             <a:avLst/>
@@ -6922,9 +7306,54 @@
               <a:buChar char="•"/>
             </a:pPr>
             <a:r>
+              <a:rPr lang="hu-HU" sz="2800" dirty="0" err="1" smtClean="0"/>
+              <a:t>What</a:t>
+            </a:r>
+            <a:r>
               <a:rPr lang="hu-HU" sz="2800" dirty="0" smtClean="0"/>
-              <a:t>Mivel foglalkoztunk a héten?</a:t>
-            </a:r>
+              <a:t> </a:t>
+            </a:r>
+            <a:r>
+              <a:rPr lang="hu-HU" sz="2800" dirty="0" err="1" smtClean="0"/>
+              <a:t>did</a:t>
+            </a:r>
+            <a:r>
+              <a:rPr lang="hu-HU" sz="2800" dirty="0" smtClean="0"/>
+              <a:t> </a:t>
+            </a:r>
+            <a:r>
+              <a:rPr lang="hu-HU" sz="2800" dirty="0" err="1" smtClean="0"/>
+              <a:t>we</a:t>
+            </a:r>
+            <a:r>
+              <a:rPr lang="hu-HU" sz="2800" dirty="0" smtClean="0"/>
+              <a:t> </a:t>
+            </a:r>
+            <a:r>
+              <a:rPr lang="hu-HU" sz="2800" dirty="0" err="1" smtClean="0"/>
+              <a:t>do</a:t>
+            </a:r>
+            <a:r>
+              <a:rPr lang="hu-HU" sz="2800" dirty="0" smtClean="0"/>
+              <a:t> </a:t>
+            </a:r>
+            <a:r>
+              <a:rPr lang="hu-HU" sz="2800" dirty="0" err="1" smtClean="0"/>
+              <a:t>all</a:t>
+            </a:r>
+            <a:r>
+              <a:rPr lang="hu-HU" sz="2800" dirty="0" smtClean="0"/>
+              <a:t> </a:t>
+            </a:r>
+            <a:r>
+              <a:rPr lang="hu-HU" sz="2800" dirty="0" err="1" smtClean="0"/>
+              <a:t>week</a:t>
+            </a:r>
+            <a:r>
+              <a:rPr lang="hu-HU" sz="2800" dirty="0" smtClean="0"/>
+              <a:t>?</a:t>
+            </a:r>
+            <a:endParaRPr lang="hu-HU" sz="2800" dirty="0" smtClean="0"/>
           </a:p>
           <a:p>
             <a:pPr marL="285750" indent="-285750">
@@ -6932,9 +7361,66 @@
               <a:buChar char="•"/>
             </a:pPr>
             <a:r>
+              <a:rPr lang="hu-HU" sz="2800" dirty="0" err="1" smtClean="0"/>
+              <a:t>What</a:t>
+            </a:r>
+            <a:r>
               <a:rPr lang="hu-HU" sz="2800" dirty="0" smtClean="0"/>
-              <a:t>Meddig jutottunk? CV bemutatása</a:t>
-            </a:r>
+              <a:t> </a:t>
+            </a:r>
+            <a:r>
+              <a:rPr lang="hu-HU" sz="2800" dirty="0" err="1" smtClean="0"/>
+              <a:t>did</a:t>
+            </a:r>
+            <a:r>
+              <a:rPr lang="hu-HU" sz="2800" dirty="0" smtClean="0"/>
+              <a:t> </a:t>
+            </a:r>
+            <a:r>
+              <a:rPr lang="hu-HU" sz="2800" dirty="0" err="1" smtClean="0"/>
+              <a:t>we</a:t>
+            </a:r>
+            <a:r>
+              <a:rPr lang="hu-HU" sz="2800" dirty="0" smtClean="0"/>
+              <a:t> </a:t>
+            </a:r>
+            <a:r>
+              <a:rPr lang="hu-HU" sz="2800" dirty="0" err="1" smtClean="0"/>
+              <a:t>learn</a:t>
+            </a:r>
+            <a:r>
+              <a:rPr lang="hu-HU" sz="2800" dirty="0" smtClean="0"/>
+              <a:t>? </a:t>
+            </a:r>
+            <a:r>
+              <a:rPr lang="hu-HU" sz="2800" dirty="0" err="1" smtClean="0"/>
+              <a:t>Let</a:t>
+            </a:r>
+            <a:r>
+              <a:rPr lang="hu-HU" sz="2800" dirty="0" smtClean="0"/>
+              <a:t> </a:t>
+            </a:r>
+            <a:r>
+              <a:rPr lang="hu-HU" sz="2800" dirty="0" err="1" smtClean="0"/>
+              <a:t>me</a:t>
+            </a:r>
+            <a:r>
+              <a:rPr lang="hu-HU" sz="2800" dirty="0" smtClean="0"/>
+              <a:t> </a:t>
+            </a:r>
+            <a:r>
+              <a:rPr lang="hu-HU" sz="2800" dirty="0" err="1" smtClean="0"/>
+              <a:t>introduce</a:t>
+            </a:r>
+            <a:r>
+              <a:rPr lang="hu-HU" sz="2800" dirty="0" smtClean="0"/>
+              <a:t> </a:t>
+            </a:r>
+            <a:r>
+              <a:rPr lang="en-GB" sz="2800" dirty="0" smtClean="0"/>
+              <a:t>you Anakin Skywalker! </a:t>
+            </a:r>
+            <a:endParaRPr lang="hu-HU" sz="2800" dirty="0" smtClean="0"/>
           </a:p>
           <a:p>
             <a:pPr marL="285750" indent="-285750">
@@ -6942,9 +7428,10 @@
               <a:buChar char="•"/>
             </a:pPr>
             <a:r>
-              <a:rPr lang="hu-HU" sz="2800" dirty="0" smtClean="0"/>
-              <a:t>Nehézségek</a:t>
-            </a:r>
+              <a:rPr lang="en-GB" sz="2800" dirty="0" smtClean="0"/>
+              <a:t>The hardest bits</a:t>
+            </a:r>
+            <a:endParaRPr lang="hu-HU" sz="2800" dirty="0" smtClean="0"/>
           </a:p>
           <a:p>
             <a:pPr marL="285750" indent="-285750">
@@ -6952,9 +7439,10 @@
               <a:buChar char="•"/>
             </a:pPr>
             <a:r>
-              <a:rPr lang="hu-HU" sz="2800" dirty="0" smtClean="0"/>
-              <a:t>Sikerélmények</a:t>
-            </a:r>
+              <a:rPr lang="en-GB" sz="2800" dirty="0" smtClean="0"/>
+              <a:t>Moments of success</a:t>
+            </a:r>
+            <a:endParaRPr lang="hu-HU" sz="2800" dirty="0" smtClean="0"/>
           </a:p>
           <a:p>
             <a:pPr marL="285750" indent="-285750">
@@ -6962,9 +7450,10 @@
               <a:buChar char="•"/>
             </a:pPr>
             <a:r>
-              <a:rPr lang="hu-HU" sz="2800" dirty="0" smtClean="0"/>
-              <a:t>Összegzés</a:t>
-            </a:r>
+              <a:rPr lang="en-GB" sz="2800" dirty="0" smtClean="0"/>
+              <a:t>Recap</a:t>
+            </a:r>
+            <a:endParaRPr lang="hu-HU" sz="2800" dirty="0" smtClean="0"/>
           </a:p>
         </p:txBody>
       </p:sp>
@@ -7043,10 +7532,53 @@
           <a:lstStyle/>
           <a:p>
             <a:r>
-              <a:rPr lang="hu-HU" sz="4000" dirty="0" smtClean="0"/>
-              <a:t>Mivel foglalkoztunk a héten?</a:t>
-            </a:r>
-            <a:endParaRPr lang="hu-HU" sz="4000" dirty="0" smtClean="0"/>
+              <a:rPr lang="hu-HU" sz="4000" dirty="0" err="1"/>
+              <a:t>What</a:t>
+            </a:r>
+            <a:r>
+              <a:rPr lang="hu-HU" sz="4000" dirty="0"/>
+              <a:t> </a:t>
+            </a:r>
+            <a:r>
+              <a:rPr lang="hu-HU" sz="4000" dirty="0" err="1"/>
+              <a:t>did</a:t>
+            </a:r>
+            <a:r>
+              <a:rPr lang="hu-HU" sz="4000" dirty="0"/>
+              <a:t> </a:t>
+            </a:r>
+            <a:r>
+              <a:rPr lang="hu-HU" sz="4000" dirty="0" err="1"/>
+              <a:t>we</a:t>
+            </a:r>
+            <a:r>
+              <a:rPr lang="hu-HU" sz="4000" dirty="0"/>
+              <a:t> </a:t>
+            </a:r>
+            <a:r>
+              <a:rPr lang="hu-HU" sz="4000" dirty="0" err="1"/>
+              <a:t>do</a:t>
+            </a:r>
+            <a:r>
+              <a:rPr lang="hu-HU" sz="4000" dirty="0"/>
+              <a:t> </a:t>
+            </a:r>
+            <a:r>
+              <a:rPr lang="hu-HU" sz="4000" dirty="0" err="1"/>
+              <a:t>all</a:t>
+            </a:r>
+            <a:r>
+              <a:rPr lang="hu-HU" sz="4000" dirty="0"/>
+              <a:t> </a:t>
+            </a:r>
+            <a:r>
+              <a:rPr lang="hu-HU" sz="4000" dirty="0" err="1"/>
+              <a:t>week</a:t>
+            </a:r>
+            <a:r>
+              <a:rPr lang="hu-HU" sz="4000" dirty="0"/>
+              <a:t>?</a:t>
+            </a:r>
           </a:p>
         </p:txBody>
       </p:sp>
@@ -7088,7 +7620,7 @@
         <p:spPr>
           <a:xfrm>
             <a:off x="1533525" y="1333499"/>
-            <a:ext cx="8801100" cy="3108543"/>
+            <a:ext cx="8801100" cy="3539430"/>
           </a:xfrm>
           <a:prstGeom prst="rect">
             <a:avLst/>
@@ -7106,17 +7638,42 @@
               <a:buChar char="•"/>
             </a:pPr>
             <a:r>
+              <a:rPr lang="en-GB" sz="2800" dirty="0" smtClean="0"/>
+              <a:t>Monday</a:t>
+            </a:r>
+            <a:r>
               <a:rPr lang="hu-HU" sz="2800" dirty="0" smtClean="0"/>
-              <a:t>Hétfő – </a:t>
+              <a:t> </a:t>
+            </a:r>
+            <a:r>
+              <a:rPr lang="hu-HU" sz="2800" dirty="0" smtClean="0"/>
+              <a:t>– </a:t>
             </a:r>
             <a:r>
               <a:rPr lang="hu-HU" sz="2800" dirty="0" err="1" smtClean="0"/>
               <a:t>intro</a:t>
             </a:r>
             <a:r>
+              <a:rPr lang="en-GB" sz="2800" dirty="0" err="1" smtClean="0"/>
+              <a:t>duction</a:t>
+            </a:r>
+            <a:r>
               <a:rPr lang="hu-HU" sz="2800" dirty="0" smtClean="0"/>
-              <a:t>, nap végén egy kis HTML/CSS</a:t>
-            </a:r>
+              <a:t>, </a:t>
+            </a:r>
+            <a:r>
+              <a:rPr lang="en-GB" sz="2800" dirty="0" smtClean="0"/>
+              <a:t>a bit of </a:t>
+            </a:r>
+            <a:r>
+              <a:rPr lang="hu-HU" sz="2800" dirty="0" smtClean="0"/>
+              <a:t>HTML/CSS</a:t>
+            </a:r>
+            <a:r>
+              <a:rPr lang="en-GB" sz="2800" dirty="0" smtClean="0"/>
+              <a:t> at the end of the day</a:t>
+            </a:r>
+            <a:endParaRPr lang="hu-HU" sz="2800" dirty="0" smtClean="0"/>
           </a:p>
           <a:p>
             <a:pPr marL="285750" indent="-285750">
@@ -7124,8 +7681,24 @@
               <a:buChar char="•"/>
             </a:pPr>
             <a:r>
+              <a:rPr lang="en-GB" sz="2800" dirty="0" smtClean="0"/>
+              <a:t>Tuesday</a:t>
+            </a:r>
+            <a:r>
               <a:rPr lang="hu-HU" sz="2800" dirty="0" smtClean="0"/>
-              <a:t>Kedd – csapatépítés, </a:t>
+              <a:t> </a:t>
+            </a:r>
+            <a:r>
+              <a:rPr lang="hu-HU" sz="2800" dirty="0" smtClean="0"/>
+              <a:t>– </a:t>
+            </a:r>
+            <a:r>
+              <a:rPr lang="en-GB" sz="2800" dirty="0" smtClean="0"/>
+              <a:t>team building</a:t>
+            </a:r>
+            <a:r>
+              <a:rPr lang="hu-HU" sz="2800" dirty="0" smtClean="0"/>
+              <a:t>, </a:t>
             </a:r>
             <a:r>
               <a:rPr lang="hu-HU" sz="2800" dirty="0" err="1" smtClean="0"/>
@@ -7147,8 +7720,24 @@
               <a:buChar char="•"/>
             </a:pPr>
             <a:r>
+              <a:rPr lang="en-GB" sz="2800" dirty="0" smtClean="0"/>
+              <a:t>Wednesday</a:t>
+            </a:r>
+            <a:r>
               <a:rPr lang="hu-HU" sz="2800" dirty="0" smtClean="0"/>
-              <a:t>Szerda – Első éles nap, </a:t>
+              <a:t> </a:t>
+            </a:r>
+            <a:r>
+              <a:rPr lang="hu-HU" sz="2800" dirty="0" smtClean="0"/>
+              <a:t>– </a:t>
+            </a:r>
+            <a:r>
+              <a:rPr lang="en-GB" sz="2800" dirty="0" smtClean="0"/>
+              <a:t>The first day of work</a:t>
+            </a:r>
+            <a:r>
+              <a:rPr lang="hu-HU" sz="2800" dirty="0" smtClean="0"/>
+              <a:t>, </a:t>
             </a:r>
             <a:r>
               <a:rPr lang="hu-HU" sz="2800" dirty="0" err="1" smtClean="0"/>
@@ -7167,8 +7756,12 @@
               <a:t> </a:t>
             </a:r>
             <a:r>
+              <a:rPr lang="en-GB" sz="2800" dirty="0" smtClean="0"/>
+              <a:t>commands</a:t>
+            </a:r>
+            <a:r>
               <a:rPr lang="hu-HU" sz="2800" dirty="0" smtClean="0"/>
-              <a:t>parancsok, </a:t>
+              <a:t>, </a:t>
             </a:r>
             <a:r>
               <a:rPr lang="hu-HU" sz="2800" dirty="0" err="1" smtClean="0"/>
@@ -7218,9 +7811,34 @@
               <a:buChar char="•"/>
             </a:pPr>
             <a:r>
+              <a:rPr lang="en-GB" sz="2800" dirty="0" smtClean="0"/>
+              <a:t>Thursday</a:t>
+            </a:r>
+            <a:r>
               <a:rPr lang="hu-HU" sz="2800" dirty="0" smtClean="0"/>
-              <a:t>Csütörtök – HTML, CSS alapok, feladatok </a:t>
-            </a:r>
+              <a:t> </a:t>
+            </a:r>
+            <a:r>
+              <a:rPr lang="hu-HU" sz="2800" dirty="0" smtClean="0"/>
+              <a:t>– HTML, CSS </a:t>
+            </a:r>
+            <a:r>
+              <a:rPr lang="en-GB" sz="2800" dirty="0" smtClean="0"/>
+              <a:t>basics</a:t>
+            </a:r>
+            <a:r>
+              <a:rPr lang="hu-HU" sz="2800" dirty="0" smtClean="0"/>
+              <a:t>, </a:t>
+            </a:r>
+            <a:r>
+              <a:rPr lang="en-GB" sz="2800" dirty="0" smtClean="0"/>
+              <a:t>first web projects</a:t>
+            </a:r>
+            <a:r>
+              <a:rPr lang="hu-HU" sz="2800" dirty="0" smtClean="0"/>
+              <a:t> </a:t>
+            </a:r>
+            <a:endParaRPr lang="hu-HU" sz="2800" dirty="0" smtClean="0"/>
           </a:p>
           <a:p>
             <a:pPr marL="285750" indent="-285750">
@@ -7228,9 +7846,30 @@
               <a:buChar char="•"/>
             </a:pPr>
             <a:r>
+              <a:rPr lang="en-GB" sz="2800" dirty="0" smtClean="0"/>
+              <a:t>Friday</a:t>
+            </a:r>
+            <a:r>
               <a:rPr lang="hu-HU" sz="2800" dirty="0" smtClean="0"/>
-              <a:t>Péntek – CSS részletek, CV készítés</a:t>
-            </a:r>
+              <a:t> </a:t>
+            </a:r>
+            <a:r>
+              <a:rPr lang="hu-HU" sz="2800" dirty="0" smtClean="0"/>
+              <a:t>– CSS </a:t>
+            </a:r>
+            <a:r>
+              <a:rPr lang="en-GB" sz="2800" dirty="0" smtClean="0"/>
+              <a:t>in details</a:t>
+            </a:r>
+            <a:r>
+              <a:rPr lang="hu-HU" sz="2800" dirty="0" smtClean="0"/>
+              <a:t>, CV</a:t>
+            </a:r>
+            <a:r>
+              <a:rPr lang="en-GB" sz="2800" dirty="0" smtClean="0"/>
+              <a:t> building</a:t>
+            </a:r>
+            <a:endParaRPr lang="hu-HU" sz="2800" dirty="0" smtClean="0"/>
           </a:p>
           <a:p>
             <a:pPr marL="285750" indent="-285750">
@@ -7301,8 +7940,8 @@
         </p:nvSpPr>
         <p:spPr>
           <a:xfrm>
-            <a:off x="2509836" y="0"/>
-            <a:ext cx="7472363" cy="707886"/>
+            <a:off x="955590" y="0"/>
+            <a:ext cx="9026610" cy="1323439"/>
           </a:xfrm>
           <a:prstGeom prst="rect">
             <a:avLst/>
@@ -7315,11 +7954,68 @@
           </a:bodyPr>
           <a:lstStyle/>
           <a:p>
-            <a:r>
-              <a:rPr lang="hu-HU" sz="4000" dirty="0" smtClean="0"/>
-              <a:t>Meddig jutottunk? CV bemutatása</a:t>
-            </a:r>
-            <a:endParaRPr lang="hu-HU" sz="4000" dirty="0" smtClean="0"/>
+            <a:pPr algn="ctr"/>
+            <a:r>
+              <a:rPr lang="hu-HU" sz="4000" dirty="0" err="1"/>
+              <a:t>What</a:t>
+            </a:r>
+            <a:r>
+              <a:rPr lang="hu-HU" sz="4000" dirty="0"/>
+              <a:t> </a:t>
+            </a:r>
+            <a:r>
+              <a:rPr lang="hu-HU" sz="4000" dirty="0" err="1"/>
+              <a:t>did</a:t>
+            </a:r>
+            <a:r>
+              <a:rPr lang="hu-HU" sz="4000" dirty="0"/>
+              <a:t> </a:t>
+            </a:r>
+            <a:r>
+              <a:rPr lang="hu-HU" sz="4000" dirty="0" err="1"/>
+              <a:t>we</a:t>
+            </a:r>
+            <a:r>
+              <a:rPr lang="hu-HU" sz="4000" dirty="0"/>
+              <a:t> </a:t>
+            </a:r>
+            <a:r>
+              <a:rPr lang="hu-HU" sz="4000" dirty="0" err="1"/>
+              <a:t>learn</a:t>
+            </a:r>
+            <a:r>
+              <a:rPr lang="hu-HU" sz="4000" dirty="0"/>
+              <a:t>? </a:t>
+            </a:r>
+            <a:r>
+              <a:rPr lang="hu-HU" sz="4000" dirty="0" err="1"/>
+              <a:t>Let</a:t>
+            </a:r>
+            <a:r>
+              <a:rPr lang="hu-HU" sz="4000" dirty="0"/>
+              <a:t> </a:t>
+            </a:r>
+            <a:r>
+              <a:rPr lang="hu-HU" sz="4000" dirty="0" err="1"/>
+              <a:t>me</a:t>
+            </a:r>
+            <a:r>
+              <a:rPr lang="hu-HU" sz="4000" dirty="0"/>
+              <a:t> </a:t>
+            </a:r>
+            <a:r>
+              <a:rPr lang="hu-HU" sz="4000" dirty="0" err="1"/>
+              <a:t>introduce</a:t>
+            </a:r>
+            <a:r>
+              <a:rPr lang="hu-HU" sz="4000" dirty="0"/>
+              <a:t> </a:t>
+            </a:r>
+            <a:r>
+              <a:rPr lang="en-GB" sz="4000" dirty="0"/>
+              <a:t>you Anakin Skywalker! </a:t>
+            </a:r>
+            <a:endParaRPr lang="hu-HU" sz="4000" dirty="0"/>
           </a:p>
         </p:txBody>
       </p:sp>
@@ -7391,12 +8087,12 @@
               <a:t>Skywalker</a:t>
             </a:r>
             <a:r>
+              <a:rPr lang="en-GB" sz="2800" dirty="0" smtClean="0"/>
+              <a:t>’s</a:t>
+            </a:r>
+            <a:r>
               <a:rPr lang="hu-HU" sz="2800" dirty="0" smtClean="0"/>
-              <a:t> </a:t>
-            </a:r>
-            <a:r>
-              <a:rPr lang="hu-HU" sz="2800" dirty="0" err="1" smtClean="0"/>
-              <a:t>CV-je</a:t>
+              <a:t> CV</a:t>
             </a:r>
             <a:endParaRPr lang="hu-HU" sz="2800" dirty="0"/>
           </a:p>
@@ -7406,10 +8102,10 @@
               <a:buChar char="•"/>
             </a:pPr>
             <a:r>
-              <a:rPr lang="hu-HU" sz="2800" dirty="0" smtClean="0">
+              <a:rPr lang="en-GB" sz="2800" dirty="0" smtClean="0">
                 <a:hlinkClick r:id="rId4"/>
               </a:rPr>
-              <a:t>Az eredeti CV</a:t>
+              <a:t>The template</a:t>
             </a:r>
             <a:endParaRPr lang="hu-HU" sz="2800" dirty="0" smtClean="0"/>
           </a:p>
@@ -7419,10 +8115,14 @@
               <a:buChar char="•"/>
             </a:pPr>
             <a:r>
-              <a:rPr lang="hu-HU" sz="2800" dirty="0" smtClean="0">
+              <a:rPr lang="en-GB" sz="2800" dirty="0" smtClean="0">
                 <a:hlinkClick r:id="rId5" action="ppaction://hlinkfile"/>
               </a:rPr>
-              <a:t>Az én verzióm</a:t>
+              <a:t>My version</a:t>
+            </a:r>
+            <a:r>
+              <a:rPr lang="en-GB" sz="2800" dirty="0" smtClean="0"/>
+              <a:t> </a:t>
             </a:r>
             <a:endParaRPr lang="hu-HU" sz="2800" dirty="0" smtClean="0"/>
           </a:p>
@@ -7432,6 +8132,399 @@
     <p:extLst>
       <p:ext uri="{BB962C8B-B14F-4D97-AF65-F5344CB8AC3E}">
         <p14:creationId xmlns:p14="http://schemas.microsoft.com/office/powerpoint/2010/main" val="1613613688"/>
+      </p:ext>
+    </p:extLst>
+  </p:cSld>
+  <p:clrMapOvr>
+    <a:masterClrMapping/>
+  </p:clrMapOvr>
+  <p:timing>
+    <p:tnLst>
+      <p:par>
+        <p:cTn id="1" dur="indefinite" restart="never" nodeType="tmRoot"/>
+      </p:par>
+    </p:tnLst>
+  </p:timing>
+</p:sld>
+</file>
+
+<file path=ppt/slides/slide5.xml><?xml version="1.0" encoding="utf-8"?>
+<p:sld xmlns:a="http://schemas.openxmlformats.org/drawingml/2006/main" xmlns:r="http://schemas.openxmlformats.org/officeDocument/2006/relationships" xmlns:p="http://schemas.openxmlformats.org/presentationml/2006/main">
+  <p:cSld>
+    <p:bg>
+      <p:bgPr>
+        <a:blipFill dpi="0" rotWithShape="1">
+          <a:blip r:embed="rId3">
+            <a:alphaModFix amt="23000"/>
+            <a:lum/>
+          </a:blip>
+          <a:srcRect/>
+          <a:stretch>
+            <a:fillRect l="10000" t="10000" r="10000" b="10000"/>
+          </a:stretch>
+        </a:blipFill>
+        <a:effectLst/>
+      </p:bgPr>
+    </p:bg>
+    <p:spTree>
+      <p:nvGrpSpPr>
+        <p:cNvPr id="1" name=""/>
+        <p:cNvGrpSpPr/>
+        <p:nvPr/>
+      </p:nvGrpSpPr>
+      <p:grpSpPr>
+        <a:xfrm>
+          <a:off x="0" y="0"/>
+          <a:ext cx="0" cy="0"/>
+          <a:chOff x="0" y="0"/>
+          <a:chExt cx="0" cy="0"/>
+        </a:xfrm>
+      </p:grpSpPr>
+      <p:sp>
+        <p:nvSpPr>
+          <p:cNvPr id="4" name="Szövegdoboz 3"/>
+          <p:cNvSpPr txBox="1"/>
+          <p:nvPr/>
+        </p:nvSpPr>
+        <p:spPr>
+          <a:xfrm>
+            <a:off x="4077181" y="0"/>
+            <a:ext cx="3713786" cy="707886"/>
+          </a:xfrm>
+          <a:prstGeom prst="rect">
+            <a:avLst/>
+          </a:prstGeom>
+          <a:noFill/>
+        </p:spPr>
+        <p:txBody>
+          <a:bodyPr wrap="square" rtlCol="0">
+            <a:spAutoFit/>
+          </a:bodyPr>
+          <a:lstStyle/>
+          <a:p>
+            <a:r>
+              <a:rPr lang="en-GB" sz="4000" dirty="0" smtClean="0"/>
+              <a:t>The hardest bits</a:t>
+            </a:r>
+            <a:endParaRPr lang="hu-HU" sz="4000" dirty="0"/>
+          </a:p>
+        </p:txBody>
+      </p:sp>
+      <p:sp>
+        <p:nvSpPr>
+          <p:cNvPr id="6" name="Szövegdoboz 5"/>
+          <p:cNvSpPr txBox="1"/>
+          <p:nvPr/>
+        </p:nvSpPr>
+        <p:spPr>
+          <a:xfrm>
+            <a:off x="1295400" y="5495926"/>
+            <a:ext cx="1381125" cy="830997"/>
+          </a:xfrm>
+          <a:prstGeom prst="rect">
+            <a:avLst/>
+          </a:prstGeom>
+          <a:noFill/>
+        </p:spPr>
+        <p:txBody>
+          <a:bodyPr wrap="square" rtlCol="0">
+            <a:spAutoFit/>
+          </a:bodyPr>
+          <a:lstStyle/>
+          <a:p>
+            <a:endParaRPr lang="hu-HU" sz="2400" dirty="0" smtClean="0"/>
+          </a:p>
+          <a:p>
+            <a:endParaRPr lang="hu-HU" sz="2400" dirty="0"/>
+          </a:p>
+        </p:txBody>
+      </p:sp>
+      <p:pic>
+        <p:nvPicPr>
+          <p:cNvPr id="3" name="Kép 2"/>
+          <p:cNvPicPr>
+            <a:picLocks noChangeAspect="1"/>
+          </p:cNvPicPr>
+          <p:nvPr/>
+        </p:nvPicPr>
+        <p:blipFill>
+          <a:blip r:embed="rId4">
+            <a:extLst>
+              <a:ext uri="{28A0092B-C50C-407E-A947-70E740481C1C}">
+                <a14:useLocalDpi xmlns:a14="http://schemas.microsoft.com/office/drawing/2010/main" val="0"/>
+              </a:ext>
+            </a:extLst>
+          </a:blip>
+          <a:stretch>
+            <a:fillRect/>
+          </a:stretch>
+        </p:blipFill>
+        <p:spPr>
+          <a:xfrm>
+            <a:off x="2776537" y="1062681"/>
+            <a:ext cx="6315075" cy="3714750"/>
+          </a:xfrm>
+          <a:prstGeom prst="rect">
+            <a:avLst/>
+          </a:prstGeom>
+        </p:spPr>
+      </p:pic>
+    </p:spTree>
+    <p:extLst>
+      <p:ext uri="{BB962C8B-B14F-4D97-AF65-F5344CB8AC3E}">
+        <p14:creationId xmlns:p14="http://schemas.microsoft.com/office/powerpoint/2010/main" val="45315338"/>
+      </p:ext>
+    </p:extLst>
+  </p:cSld>
+  <p:clrMapOvr>
+    <a:masterClrMapping/>
+  </p:clrMapOvr>
+  <p:timing>
+    <p:tnLst>
+      <p:par>
+        <p:cTn id="1" dur="indefinite" restart="never" nodeType="tmRoot"/>
+      </p:par>
+    </p:tnLst>
+  </p:timing>
+</p:sld>
+</file>
+
+<file path=ppt/slides/slide6.xml><?xml version="1.0" encoding="utf-8"?>
+<p:sld xmlns:a="http://schemas.openxmlformats.org/drawingml/2006/main" xmlns:r="http://schemas.openxmlformats.org/officeDocument/2006/relationships" xmlns:p="http://schemas.openxmlformats.org/presentationml/2006/main">
+  <p:cSld>
+    <p:bg>
+      <p:bgPr>
+        <a:blipFill dpi="0" rotWithShape="1">
+          <a:blip r:embed="rId3">
+            <a:alphaModFix amt="23000"/>
+            <a:lum/>
+          </a:blip>
+          <a:srcRect/>
+          <a:stretch>
+            <a:fillRect l="10000" t="10000" r="10000" b="10000"/>
+          </a:stretch>
+        </a:blipFill>
+        <a:effectLst/>
+      </p:bgPr>
+    </p:bg>
+    <p:spTree>
+      <p:nvGrpSpPr>
+        <p:cNvPr id="1" name=""/>
+        <p:cNvGrpSpPr/>
+        <p:nvPr/>
+      </p:nvGrpSpPr>
+      <p:grpSpPr>
+        <a:xfrm>
+          <a:off x="0" y="0"/>
+          <a:ext cx="0" cy="0"/>
+          <a:chOff x="0" y="0"/>
+          <a:chExt cx="0" cy="0"/>
+        </a:xfrm>
+      </p:grpSpPr>
+      <p:sp>
+        <p:nvSpPr>
+          <p:cNvPr id="4" name="Szövegdoboz 3"/>
+          <p:cNvSpPr txBox="1"/>
+          <p:nvPr/>
+        </p:nvSpPr>
+        <p:spPr>
+          <a:xfrm>
+            <a:off x="3688989" y="0"/>
+            <a:ext cx="4490170" cy="707886"/>
+          </a:xfrm>
+          <a:prstGeom prst="rect">
+            <a:avLst/>
+          </a:prstGeom>
+          <a:noFill/>
+        </p:spPr>
+        <p:txBody>
+          <a:bodyPr wrap="square" rtlCol="0">
+            <a:spAutoFit/>
+          </a:bodyPr>
+          <a:lstStyle/>
+          <a:p>
+            <a:r>
+              <a:rPr lang="en-GB" sz="4000" dirty="0"/>
+              <a:t>Moments of success</a:t>
+            </a:r>
+            <a:endParaRPr lang="hu-HU" sz="4000" dirty="0"/>
+          </a:p>
+        </p:txBody>
+      </p:sp>
+      <p:sp>
+        <p:nvSpPr>
+          <p:cNvPr id="6" name="Szövegdoboz 5"/>
+          <p:cNvSpPr txBox="1"/>
+          <p:nvPr/>
+        </p:nvSpPr>
+        <p:spPr>
+          <a:xfrm>
+            <a:off x="1295400" y="5495926"/>
+            <a:ext cx="1381125" cy="830997"/>
+          </a:xfrm>
+          <a:prstGeom prst="rect">
+            <a:avLst/>
+          </a:prstGeom>
+          <a:noFill/>
+        </p:spPr>
+        <p:txBody>
+          <a:bodyPr wrap="square" rtlCol="0">
+            <a:spAutoFit/>
+          </a:bodyPr>
+          <a:lstStyle/>
+          <a:p>
+            <a:endParaRPr lang="hu-HU" sz="2400" dirty="0" smtClean="0"/>
+          </a:p>
+          <a:p>
+            <a:endParaRPr lang="hu-HU" sz="2400" dirty="0"/>
+          </a:p>
+        </p:txBody>
+      </p:sp>
+      <p:pic>
+        <p:nvPicPr>
+          <p:cNvPr id="2" name="Kép 1"/>
+          <p:cNvPicPr>
+            <a:picLocks noChangeAspect="1"/>
+          </p:cNvPicPr>
+          <p:nvPr/>
+        </p:nvPicPr>
+        <p:blipFill>
+          <a:blip r:embed="rId4">
+            <a:extLst>
+              <a:ext uri="{28A0092B-C50C-407E-A947-70E740481C1C}">
+                <a14:useLocalDpi xmlns:a14="http://schemas.microsoft.com/office/drawing/2010/main" val="0"/>
+              </a:ext>
+            </a:extLst>
+          </a:blip>
+          <a:stretch>
+            <a:fillRect/>
+          </a:stretch>
+        </p:blipFill>
+        <p:spPr>
+          <a:xfrm>
+            <a:off x="2479589" y="1305697"/>
+            <a:ext cx="7315200" cy="4114800"/>
+          </a:xfrm>
+          <a:prstGeom prst="rect">
+            <a:avLst/>
+          </a:prstGeom>
+        </p:spPr>
+      </p:pic>
+    </p:spTree>
+    <p:extLst>
+      <p:ext uri="{BB962C8B-B14F-4D97-AF65-F5344CB8AC3E}">
+        <p14:creationId xmlns:p14="http://schemas.microsoft.com/office/powerpoint/2010/main" val="2955015318"/>
+      </p:ext>
+    </p:extLst>
+  </p:cSld>
+  <p:clrMapOvr>
+    <a:masterClrMapping/>
+  </p:clrMapOvr>
+  <p:timing>
+    <p:tnLst>
+      <p:par>
+        <p:cTn id="1" dur="indefinite" restart="never" nodeType="tmRoot"/>
+      </p:par>
+    </p:tnLst>
+  </p:timing>
+</p:sld>
+</file>
+
+<file path=ppt/slides/slide7.xml><?xml version="1.0" encoding="utf-8"?>
+<p:sld xmlns:a="http://schemas.openxmlformats.org/drawingml/2006/main" xmlns:r="http://schemas.openxmlformats.org/officeDocument/2006/relationships" xmlns:p="http://schemas.openxmlformats.org/presentationml/2006/main">
+  <p:cSld>
+    <p:bg>
+      <p:bgPr>
+        <a:blipFill dpi="0" rotWithShape="1">
+          <a:blip r:embed="rId3">
+            <a:alphaModFix amt="23000"/>
+            <a:lum/>
+          </a:blip>
+          <a:srcRect/>
+          <a:stretch>
+            <a:fillRect l="10000" t="10000" r="10000" b="10000"/>
+          </a:stretch>
+        </a:blipFill>
+        <a:effectLst/>
+      </p:bgPr>
+    </p:bg>
+    <p:spTree>
+      <p:nvGrpSpPr>
+        <p:cNvPr id="1" name=""/>
+        <p:cNvGrpSpPr/>
+        <p:nvPr/>
+      </p:nvGrpSpPr>
+      <p:grpSpPr>
+        <a:xfrm>
+          <a:off x="0" y="0"/>
+          <a:ext cx="0" cy="0"/>
+          <a:chOff x="0" y="0"/>
+          <a:chExt cx="0" cy="0"/>
+        </a:xfrm>
+      </p:grpSpPr>
+      <p:sp>
+        <p:nvSpPr>
+          <p:cNvPr id="4" name="Szövegdoboz 3"/>
+          <p:cNvSpPr txBox="1"/>
+          <p:nvPr/>
+        </p:nvSpPr>
+        <p:spPr>
+          <a:xfrm>
+            <a:off x="5370289" y="90617"/>
+            <a:ext cx="1533800" cy="707886"/>
+          </a:xfrm>
+          <a:prstGeom prst="rect">
+            <a:avLst/>
+          </a:prstGeom>
+          <a:noFill/>
+        </p:spPr>
+        <p:txBody>
+          <a:bodyPr wrap="square" rtlCol="0">
+            <a:spAutoFit/>
+          </a:bodyPr>
+          <a:lstStyle/>
+          <a:p>
+            <a:r>
+              <a:rPr lang="en-GB" sz="4000" dirty="0" smtClean="0"/>
+              <a:t>Recap</a:t>
+            </a:r>
+            <a:endParaRPr lang="hu-HU" sz="4000" dirty="0"/>
+          </a:p>
+        </p:txBody>
+      </p:sp>
+      <p:sp>
+        <p:nvSpPr>
+          <p:cNvPr id="6" name="Szövegdoboz 5"/>
+          <p:cNvSpPr txBox="1"/>
+          <p:nvPr/>
+        </p:nvSpPr>
+        <p:spPr>
+          <a:xfrm>
+            <a:off x="1295400" y="5495926"/>
+            <a:ext cx="1381125" cy="830997"/>
+          </a:xfrm>
+          <a:prstGeom prst="rect">
+            <a:avLst/>
+          </a:prstGeom>
+          <a:noFill/>
+        </p:spPr>
+        <p:txBody>
+          <a:bodyPr wrap="square" rtlCol="0">
+            <a:spAutoFit/>
+          </a:bodyPr>
+          <a:lstStyle/>
+          <a:p>
+            <a:endParaRPr lang="hu-HU" sz="2400" dirty="0" smtClean="0"/>
+          </a:p>
+          <a:p>
+            <a:endParaRPr lang="hu-HU" sz="2400" dirty="0"/>
+          </a:p>
+        </p:txBody>
+      </p:sp>
+    </p:spTree>
+    <p:extLst>
+      <p:ext uri="{BB962C8B-B14F-4D97-AF65-F5344CB8AC3E}">
+        <p14:creationId xmlns:p14="http://schemas.microsoft.com/office/powerpoint/2010/main" val="3730883793"/>
       </p:ext>
     </p:extLst>
   </p:cSld>

--- a/week-01/day-5/presentation/Presentation_Week-01.pptx
+++ b/week-01/day-5/presentation/Presentation_Week-01.pptx
@@ -7353,7 +7353,6 @@
               <a:rPr lang="hu-HU" sz="2800" dirty="0" smtClean="0"/>
               <a:t>?</a:t>
             </a:r>
-            <a:endParaRPr lang="hu-HU" sz="2800" dirty="0" smtClean="0"/>
           </a:p>
           <a:p>
             <a:pPr marL="285750" indent="-285750">
@@ -7620,7 +7619,7 @@
         <p:spPr>
           <a:xfrm>
             <a:off x="1533525" y="1333499"/>
-            <a:ext cx="8801100" cy="3539430"/>
+            <a:ext cx="8801100" cy="3108543"/>
           </a:xfrm>
           <a:prstGeom prst="rect">
             <a:avLst/>
@@ -7643,11 +7642,7 @@
             </a:r>
             <a:r>
               <a:rPr lang="hu-HU" sz="2800" dirty="0" smtClean="0"/>
-              <a:t> </a:t>
-            </a:r>
-            <a:r>
-              <a:rPr lang="hu-HU" sz="2800" dirty="0" smtClean="0"/>
-              <a:t>– </a:t>
+              <a:t> – </a:t>
             </a:r>
             <a:r>
               <a:rPr lang="hu-HU" sz="2800" dirty="0" err="1" smtClean="0"/>
@@ -7686,11 +7681,7 @@
             </a:r>
             <a:r>
               <a:rPr lang="hu-HU" sz="2800" dirty="0" smtClean="0"/>
-              <a:t> </a:t>
-            </a:r>
-            <a:r>
-              <a:rPr lang="hu-HU" sz="2800" dirty="0" smtClean="0"/>
-              <a:t>– </a:t>
+              <a:t> – </a:t>
             </a:r>
             <a:r>
               <a:rPr lang="en-GB" sz="2800" dirty="0" smtClean="0"/>
@@ -7725,11 +7716,7 @@
             </a:r>
             <a:r>
               <a:rPr lang="hu-HU" sz="2800" dirty="0" smtClean="0"/>
-              <a:t> </a:t>
-            </a:r>
-            <a:r>
-              <a:rPr lang="hu-HU" sz="2800" dirty="0" smtClean="0"/>
-              <a:t>– </a:t>
+              <a:t> – </a:t>
             </a:r>
             <a:r>
               <a:rPr lang="en-GB" sz="2800" dirty="0" smtClean="0"/>
@@ -7763,47 +7750,7 @@
               <a:rPr lang="hu-HU" sz="2800" dirty="0" smtClean="0"/>
               <a:t>, </a:t>
             </a:r>
-            <a:r>
-              <a:rPr lang="hu-HU" sz="2800" dirty="0" err="1" smtClean="0"/>
-              <a:t>may</a:t>
-            </a:r>
-            <a:r>
-              <a:rPr lang="hu-HU" sz="2800" dirty="0" smtClean="0"/>
-              <a:t> </a:t>
-            </a:r>
-            <a:r>
-              <a:rPr lang="hu-HU" sz="2800" dirty="0" err="1" smtClean="0"/>
-              <a:t>the</a:t>
-            </a:r>
-            <a:r>
-              <a:rPr lang="hu-HU" sz="2800" dirty="0" smtClean="0"/>
-              <a:t> </a:t>
-            </a:r>
-            <a:r>
-              <a:rPr lang="hu-HU" sz="2800" dirty="0" err="1" smtClean="0">
-                <a:solidFill>
-                  <a:srgbClr val="00B050"/>
-                </a:solidFill>
-              </a:rPr>
-              <a:t>fox</a:t>
-            </a:r>
-            <a:r>
-              <a:rPr lang="hu-HU" sz="2800" dirty="0" smtClean="0"/>
-              <a:t> be </a:t>
-            </a:r>
-            <a:r>
-              <a:rPr lang="hu-HU" sz="2800" dirty="0" err="1" smtClean="0"/>
-              <a:t>with</a:t>
-            </a:r>
-            <a:r>
-              <a:rPr lang="hu-HU" sz="2800" dirty="0" smtClean="0"/>
-              <a:t> </a:t>
-            </a:r>
-            <a:r>
-              <a:rPr lang="hu-HU" sz="2800" dirty="0" err="1" smtClean="0"/>
-              <a:t>you</a:t>
-            </a:r>
-            <a:endParaRPr lang="hu-HU" sz="2800" dirty="0" smtClean="0"/>
+            <a:endParaRPr lang="en-GB" sz="2800" dirty="0" smtClean="0"/>
           </a:p>
           <a:p>
             <a:pPr marL="285750" indent="-285750">
@@ -7838,7 +7785,6 @@
               <a:rPr lang="hu-HU" sz="2800" dirty="0" smtClean="0"/>
               <a:t> </a:t>
             </a:r>
-            <a:endParaRPr lang="hu-HU" sz="2800" dirty="0" smtClean="0"/>
           </a:p>
           <a:p>
             <a:pPr marL="285750" indent="-285750">
@@ -7851,11 +7797,7 @@
             </a:r>
             <a:r>
               <a:rPr lang="hu-HU" sz="2800" dirty="0" smtClean="0"/>
-              <a:t> </a:t>
-            </a:r>
-            <a:r>
-              <a:rPr lang="hu-HU" sz="2800" dirty="0" smtClean="0"/>
-              <a:t>– CSS </a:t>
+              <a:t> – CSS </a:t>
             </a:r>
             <a:r>
               <a:rPr lang="en-GB" sz="2800" dirty="0" smtClean="0"/>
@@ -8128,6 +8070,36 @@
           </a:p>
         </p:txBody>
       </p:sp>
+      <p:pic>
+        <p:nvPicPr>
+          <p:cNvPr id="3" name="Kép 2"/>
+          <p:cNvPicPr>
+            <a:picLocks noChangeAspect="1"/>
+          </p:cNvPicPr>
+          <p:nvPr/>
+        </p:nvPicPr>
+        <p:blipFill>
+          <a:blip r:embed="rId6">
+            <a:extLst>
+              <a:ext uri="{28A0092B-C50C-407E-A947-70E740481C1C}">
+                <a14:useLocalDpi xmlns:a14="http://schemas.microsoft.com/office/drawing/2010/main" val="0"/>
+              </a:ext>
+            </a:extLst>
+          </a:blip>
+          <a:stretch>
+            <a:fillRect/>
+          </a:stretch>
+        </p:blipFill>
+        <p:spPr>
+          <a:xfrm>
+            <a:off x="4279557" y="2049810"/>
+            <a:ext cx="7315200" cy="4114800"/>
+          </a:xfrm>
+          <a:prstGeom prst="rect">
+            <a:avLst/>
+          </a:prstGeom>
+        </p:spPr>
+      </p:pic>
     </p:spTree>
     <p:extLst>
       <p:ext uri="{BB962C8B-B14F-4D97-AF65-F5344CB8AC3E}">
@@ -8382,14 +8354,14 @@
       </p:sp>
       <p:pic>
         <p:nvPicPr>
-          <p:cNvPr id="2" name="Kép 1"/>
+          <p:cNvPr id="3" name="Kép 2"/>
           <p:cNvPicPr>
             <a:picLocks noChangeAspect="1"/>
           </p:cNvPicPr>
           <p:nvPr/>
         </p:nvPicPr>
         <p:blipFill>
-          <a:blip r:embed="rId4">
+          <a:blip r:embed="rId4" cstate="print">
             <a:extLst>
               <a:ext uri="{28A0092B-C50C-407E-A947-70E740481C1C}">
                 <a14:useLocalDpi xmlns:a14="http://schemas.microsoft.com/office/drawing/2010/main" val="0"/>
@@ -8402,8 +8374,68 @@
         </p:blipFill>
         <p:spPr>
           <a:xfrm>
-            <a:off x="2479589" y="1305697"/>
-            <a:ext cx="7315200" cy="4114800"/>
+            <a:off x="1171832" y="889101"/>
+            <a:ext cx="7383710" cy="3991818"/>
+          </a:xfrm>
+          <a:prstGeom prst="rect">
+            <a:avLst/>
+          </a:prstGeom>
+        </p:spPr>
+      </p:pic>
+      <p:pic>
+        <p:nvPicPr>
+          <p:cNvPr id="5" name="Kép 4"/>
+          <p:cNvPicPr>
+            <a:picLocks noChangeAspect="1"/>
+          </p:cNvPicPr>
+          <p:nvPr/>
+        </p:nvPicPr>
+        <p:blipFill>
+          <a:blip r:embed="rId5" cstate="print">
+            <a:extLst>
+              <a:ext uri="{28A0092B-C50C-407E-A947-70E740481C1C}">
+                <a14:useLocalDpi xmlns:a14="http://schemas.microsoft.com/office/drawing/2010/main" val="0"/>
+              </a:ext>
+            </a:extLst>
+          </a:blip>
+          <a:stretch>
+            <a:fillRect/>
+          </a:stretch>
+        </p:blipFill>
+        <p:spPr>
+          <a:xfrm>
+            <a:off x="8179159" y="1266414"/>
+            <a:ext cx="1320807" cy="3237192"/>
+          </a:xfrm>
+          <a:prstGeom prst="rect">
+            <a:avLst/>
+          </a:prstGeom>
+        </p:spPr>
+      </p:pic>
+      <p:pic>
+        <p:nvPicPr>
+          <p:cNvPr id="7" name="Kép 6"/>
+          <p:cNvPicPr>
+            <a:picLocks noChangeAspect="1"/>
+          </p:cNvPicPr>
+          <p:nvPr/>
+        </p:nvPicPr>
+        <p:blipFill>
+          <a:blip r:embed="rId6">
+            <a:extLst>
+              <a:ext uri="{28A0092B-C50C-407E-A947-70E740481C1C}">
+                <a14:useLocalDpi xmlns:a14="http://schemas.microsoft.com/office/drawing/2010/main" val="0"/>
+              </a:ext>
+            </a:extLst>
+          </a:blip>
+          <a:stretch>
+            <a:fillRect/>
+          </a:stretch>
+        </p:blipFill>
+        <p:spPr>
+          <a:xfrm>
+            <a:off x="9110534" y="2504560"/>
+            <a:ext cx="1639845" cy="3588841"/>
           </a:xfrm>
           <a:prstGeom prst="rect">
             <a:avLst/>
@@ -8518,6 +8550,163 @@
           </a:p>
           <a:p>
             <a:endParaRPr lang="hu-HU" sz="2400" dirty="0"/>
+          </a:p>
+        </p:txBody>
+      </p:sp>
+      <p:sp>
+        <p:nvSpPr>
+          <p:cNvPr id="2" name="Szövegdoboz 1"/>
+          <p:cNvSpPr txBox="1"/>
+          <p:nvPr/>
+        </p:nvSpPr>
+        <p:spPr>
+          <a:xfrm>
+            <a:off x="1668162" y="1359243"/>
+            <a:ext cx="8680518" cy="1231106"/>
+          </a:xfrm>
+          <a:prstGeom prst="rect">
+            <a:avLst/>
+          </a:prstGeom>
+          <a:noFill/>
+        </p:spPr>
+        <p:txBody>
+          <a:bodyPr wrap="none" rtlCol="0">
+            <a:spAutoFit/>
+          </a:bodyPr>
+          <a:lstStyle/>
+          <a:p>
+            <a:pPr marL="285750" indent="-285750">
+              <a:buFont typeface="Arial" panose="020B0604020202020204" pitchFamily="34" charset="0"/>
+              <a:buChar char="•"/>
+            </a:pPr>
+            <a:r>
+              <a:rPr lang="en-GB" sz="2800" dirty="0" smtClean="0"/>
+              <a:t>Re-learned a lot of information, and met some new stuff</a:t>
+            </a:r>
+          </a:p>
+          <a:p>
+            <a:pPr marL="285750" indent="-285750">
+              <a:buFont typeface="Arial" panose="020B0604020202020204" pitchFamily="34" charset="0"/>
+              <a:buChar char="•"/>
+            </a:pPr>
+            <a:r>
+              <a:rPr lang="en-GB" sz="2800" dirty="0" smtClean="0"/>
+              <a:t>GIVE ME MORE</a:t>
+            </a:r>
+          </a:p>
+          <a:p>
+            <a:pPr marL="285750" indent="-285750">
+              <a:buFont typeface="Arial" panose="020B0604020202020204" pitchFamily="34" charset="0"/>
+              <a:buChar char="•"/>
+            </a:pPr>
+            <a:endParaRPr lang="hu-HU" dirty="0"/>
+          </a:p>
+        </p:txBody>
+      </p:sp>
+      <p:sp>
+        <p:nvSpPr>
+          <p:cNvPr id="3" name="Szövegdoboz 2"/>
+          <p:cNvSpPr txBox="1"/>
+          <p:nvPr/>
+        </p:nvSpPr>
+        <p:spPr>
+          <a:xfrm>
+            <a:off x="3991232" y="3258307"/>
+            <a:ext cx="3703771" cy="523220"/>
+          </a:xfrm>
+          <a:prstGeom prst="rect">
+            <a:avLst/>
+          </a:prstGeom>
+          <a:noFill/>
+        </p:spPr>
+        <p:txBody>
+          <a:bodyPr wrap="none" rtlCol="0">
+            <a:spAutoFit/>
+          </a:bodyPr>
+          <a:lstStyle/>
+          <a:p>
+            <a:r>
+              <a:rPr lang="en-GB" sz="2800" dirty="0" smtClean="0"/>
+              <a:t>Thank you for watching!</a:t>
+            </a:r>
+            <a:endParaRPr lang="hu-HU" sz="2800" dirty="0"/>
+          </a:p>
+        </p:txBody>
+      </p:sp>
+      <p:sp>
+        <p:nvSpPr>
+          <p:cNvPr id="5" name="Szövegdoboz 4"/>
+          <p:cNvSpPr txBox="1"/>
+          <p:nvPr/>
+        </p:nvSpPr>
+        <p:spPr>
+          <a:xfrm>
+            <a:off x="4097385" y="5095816"/>
+            <a:ext cx="3903826" cy="800219"/>
+          </a:xfrm>
+          <a:prstGeom prst="rect">
+            <a:avLst/>
+          </a:prstGeom>
+          <a:noFill/>
+        </p:spPr>
+        <p:txBody>
+          <a:bodyPr wrap="none" rtlCol="0">
+            <a:spAutoFit/>
+          </a:bodyPr>
+          <a:lstStyle/>
+          <a:p>
+            <a:r>
+              <a:rPr lang="en-GB" sz="2800" dirty="0" err="1" smtClean="0"/>
+              <a:t>M</a:t>
+            </a:r>
+            <a:r>
+              <a:rPr lang="hu-HU" sz="2800" dirty="0" err="1" smtClean="0"/>
+              <a:t>ay</a:t>
+            </a:r>
+            <a:r>
+              <a:rPr lang="hu-HU" sz="2800" dirty="0" smtClean="0"/>
+              <a:t> </a:t>
+            </a:r>
+            <a:r>
+              <a:rPr lang="hu-HU" sz="2800" dirty="0" err="1"/>
+              <a:t>the</a:t>
+            </a:r>
+            <a:r>
+              <a:rPr lang="hu-HU" sz="2800" dirty="0"/>
+              <a:t> </a:t>
+            </a:r>
+            <a:r>
+              <a:rPr lang="hu-HU" sz="2800" dirty="0" err="1">
+                <a:solidFill>
+                  <a:srgbClr val="00B050"/>
+                </a:solidFill>
+              </a:rPr>
+              <a:t>fox</a:t>
+            </a:r>
+            <a:r>
+              <a:rPr lang="hu-HU" sz="2800" dirty="0"/>
+              <a:t> be </a:t>
+            </a:r>
+            <a:r>
+              <a:rPr lang="hu-HU" sz="2800" dirty="0" err="1"/>
+              <a:t>with</a:t>
+            </a:r>
+            <a:r>
+              <a:rPr lang="hu-HU" sz="2800" dirty="0"/>
+              <a:t> </a:t>
+            </a:r>
+            <a:r>
+              <a:rPr lang="hu-HU" sz="2800" dirty="0" err="1" smtClean="0"/>
+              <a:t>you</a:t>
+            </a:r>
+            <a:r>
+              <a:rPr lang="en-GB" sz="2800" dirty="0" smtClean="0"/>
+              <a:t>! </a:t>
+            </a:r>
+            <a:endParaRPr lang="hu-HU" sz="2800" dirty="0"/>
+          </a:p>
+          <a:p>
+            <a:endParaRPr lang="hu-HU" dirty="0"/>
           </a:p>
         </p:txBody>
       </p:sp>

--- a/week-01/day-5/presentation/Presentation_Week-01.pptx
+++ b/week-01/day-5/presentation/Presentation_Week-01.pptx
@@ -7748,7 +7748,7 @@
             </a:r>
             <a:r>
               <a:rPr lang="hu-HU" sz="2800" dirty="0" smtClean="0"/>
-              <a:t>, </a:t>
+              <a:t> </a:t>
             </a:r>
             <a:endParaRPr lang="en-GB" sz="2800" dirty="0" smtClean="0"/>
           </a:p>
@@ -7763,11 +7763,7 @@
             </a:r>
             <a:r>
               <a:rPr lang="hu-HU" sz="2800" dirty="0" smtClean="0"/>
-              <a:t> </a:t>
-            </a:r>
-            <a:r>
-              <a:rPr lang="hu-HU" sz="2800" dirty="0" smtClean="0"/>
-              <a:t>– HTML, CSS </a:t>
+              <a:t> – HTML, CSS </a:t>
             </a:r>
             <a:r>
               <a:rPr lang="en-GB" sz="2800" dirty="0" smtClean="0"/>
@@ -8591,8 +8587,17 @@
             </a:pPr>
             <a:r>
               <a:rPr lang="en-GB" sz="2800" dirty="0" smtClean="0"/>
-              <a:t>GIVE ME MORE</a:t>
-            </a:r>
+              <a:t>GIVE </a:t>
+            </a:r>
+            <a:r>
+              <a:rPr lang="en-GB" sz="2800" smtClean="0"/>
+              <a:t>ME </a:t>
+            </a:r>
+            <a:r>
+              <a:rPr lang="en-GB" sz="2800" smtClean="0"/>
+              <a:t>MORE!!!</a:t>
+            </a:r>
+            <a:endParaRPr lang="en-GB" sz="2800" dirty="0" smtClean="0"/>
           </a:p>
           <a:p>
             <a:pPr marL="285750" indent="-285750">

--- a/week-01/day-5/presentation/Presentation_Week-01.pptx
+++ b/week-01/day-5/presentation/Presentation_Week-01.pptx
@@ -6997,20 +6997,16 @@
           <a:p>
             <a:pPr algn="ctr"/>
             <a:r>
-              <a:rPr lang="hu-HU" sz="4000" dirty="0" err="1" smtClean="0"/>
-              <a:t>Greenfox</a:t>
+              <a:rPr lang="hu-HU" sz="4000" smtClean="0"/>
+              <a:t>GreenfoxVelox</a:t>
             </a:r>
             <a:r>
               <a:rPr lang="hu-HU" sz="4000" dirty="0" smtClean="0"/>
               <a:t> </a:t>
             </a:r>
             <a:r>
-              <a:rPr lang="hu-HU" sz="4000" dirty="0" err="1" smtClean="0"/>
-              <a:t>Velox</a:t>
-            </a:r>
-            <a:r>
               <a:rPr lang="hu-HU" sz="4000" dirty="0" smtClean="0"/>
-              <a:t> - </a:t>
+              <a:t>- </a:t>
             </a:r>
             <a:r>
               <a:rPr lang="hu-HU" sz="4000" dirty="0" err="1" smtClean="0"/>
@@ -8591,11 +8587,7 @@
             </a:r>
             <a:r>
               <a:rPr lang="en-GB" sz="2800" smtClean="0"/>
-              <a:t>ME </a:t>
-            </a:r>
-            <a:r>
-              <a:rPr lang="en-GB" sz="2800" smtClean="0"/>
-              <a:t>MORE!!!</a:t>
+              <a:t>ME MORE!!!</a:t>
             </a:r>
             <a:endParaRPr lang="en-GB" sz="2800" dirty="0" smtClean="0"/>
           </a:p>
